--- a/docs/surf_PiCas_03_10.pptx
+++ b/docs/surf_PiCas_03_10.pptx
@@ -4277,8 +4277,12 @@
               <a:t>Oct</a:t>
             </a:r>
             <a:r>
+              <a:rPr lang="nl-NL"/>
+              <a:t> 03, </a:t>
+            </a:r>
+            <a:r>
               <a:rPr lang="nl-NL" dirty="0"/>
-              <a:t> 10, 2023</a:t>
+              <a:t>2023</a:t>
             </a:r>
           </a:p>
         </p:txBody>
